--- a/98_Sujets_Divers/TPs_Dynamique/TP_02_Drone_Cinetique/TP_Cinetique_D2C_Synthese.pptx
+++ b/98_Sujets_Divers/TPs_Dynamique/TP_02_Drone_Cinetique/TP_Cinetique_D2C_Synthese.pptx
@@ -11,7 +11,7 @@
     <p:sldId id="259" r:id="rId5"/>
   </p:sldIdLst>
   <p:sldSz cx="9906000" cy="6858000" type="A4"/>
-  <p:notesSz cx="6858000" cy="9144000"/>
+  <p:notesSz cx="9926638" cy="14355763"/>
   <p:defaultTextStyle>
     <a:defPPr>
       <a:defRPr lang="fr-FR"/>
@@ -307,7 +307,7 @@
           <a:p>
             <a:fld id="{AA309A6D-C09C-4548-B29A-6CF363A7E532}" type="datetimeFigureOut">
               <a:rPr lang="fr-FR" smtClean="0"/>
-              <a:t>03/12/2023</a:t>
+              <a:t>04/12/2023</a:t>
             </a:fld>
             <a:endParaRPr lang="fr-BE"/>
           </a:p>
@@ -472,7 +472,7 @@
           <a:p>
             <a:fld id="{AA309A6D-C09C-4548-B29A-6CF363A7E532}" type="datetimeFigureOut">
               <a:rPr lang="fr-FR" smtClean="0"/>
-              <a:t>03/12/2023</a:t>
+              <a:t>04/12/2023</a:t>
             </a:fld>
             <a:endParaRPr lang="fr-BE"/>
           </a:p>
@@ -647,7 +647,7 @@
           <a:p>
             <a:fld id="{AA309A6D-C09C-4548-B29A-6CF363A7E532}" type="datetimeFigureOut">
               <a:rPr lang="fr-FR" smtClean="0"/>
-              <a:t>03/12/2023</a:t>
+              <a:t>04/12/2023</a:t>
             </a:fld>
             <a:endParaRPr lang="fr-BE"/>
           </a:p>
@@ -812,7 +812,7 @@
           <a:p>
             <a:fld id="{AA309A6D-C09C-4548-B29A-6CF363A7E532}" type="datetimeFigureOut">
               <a:rPr lang="fr-FR" smtClean="0"/>
-              <a:t>03/12/2023</a:t>
+              <a:t>04/12/2023</a:t>
             </a:fld>
             <a:endParaRPr lang="fr-BE"/>
           </a:p>
@@ -1053,7 +1053,7 @@
           <a:p>
             <a:fld id="{AA309A6D-C09C-4548-B29A-6CF363A7E532}" type="datetimeFigureOut">
               <a:rPr lang="fr-FR" smtClean="0"/>
-              <a:t>03/12/2023</a:t>
+              <a:t>04/12/2023</a:t>
             </a:fld>
             <a:endParaRPr lang="fr-BE"/>
           </a:p>
@@ -1336,7 +1336,7 @@
           <a:p>
             <a:fld id="{AA309A6D-C09C-4548-B29A-6CF363A7E532}" type="datetimeFigureOut">
               <a:rPr lang="fr-FR" smtClean="0"/>
-              <a:t>03/12/2023</a:t>
+              <a:t>04/12/2023</a:t>
             </a:fld>
             <a:endParaRPr lang="fr-BE"/>
           </a:p>
@@ -1753,7 +1753,7 @@
           <a:p>
             <a:fld id="{AA309A6D-C09C-4548-B29A-6CF363A7E532}" type="datetimeFigureOut">
               <a:rPr lang="fr-FR" smtClean="0"/>
-              <a:t>03/12/2023</a:t>
+              <a:t>04/12/2023</a:t>
             </a:fld>
             <a:endParaRPr lang="fr-BE"/>
           </a:p>
@@ -1866,7 +1866,7 @@
           <a:p>
             <a:fld id="{AA309A6D-C09C-4548-B29A-6CF363A7E532}" type="datetimeFigureOut">
               <a:rPr lang="fr-FR" smtClean="0"/>
-              <a:t>03/12/2023</a:t>
+              <a:t>04/12/2023</a:t>
             </a:fld>
             <a:endParaRPr lang="fr-BE"/>
           </a:p>
@@ -1956,7 +1956,7 @@
           <a:p>
             <a:fld id="{AA309A6D-C09C-4548-B29A-6CF363A7E532}" type="datetimeFigureOut">
               <a:rPr lang="fr-FR" smtClean="0"/>
-              <a:t>03/12/2023</a:t>
+              <a:t>04/12/2023</a:t>
             </a:fld>
             <a:endParaRPr lang="fr-BE"/>
           </a:p>
@@ -2228,7 +2228,7 @@
           <a:p>
             <a:fld id="{AA309A6D-C09C-4548-B29A-6CF363A7E532}" type="datetimeFigureOut">
               <a:rPr lang="fr-FR" smtClean="0"/>
-              <a:t>03/12/2023</a:t>
+              <a:t>04/12/2023</a:t>
             </a:fld>
             <a:endParaRPr lang="fr-BE"/>
           </a:p>
@@ -2476,7 +2476,7 @@
           <a:p>
             <a:fld id="{AA309A6D-C09C-4548-B29A-6CF363A7E532}" type="datetimeFigureOut">
               <a:rPr lang="fr-FR" smtClean="0"/>
-              <a:t>03/12/2023</a:t>
+              <a:t>04/12/2023</a:t>
             </a:fld>
             <a:endParaRPr lang="fr-BE"/>
           </a:p>
@@ -2684,7 +2684,7 @@
           <a:p>
             <a:fld id="{AA309A6D-C09C-4548-B29A-6CF363A7E532}" type="datetimeFigureOut">
               <a:rPr lang="fr-FR" smtClean="0"/>
-              <a:t>03/12/2023</a:t>
+              <a:t>04/12/2023</a:t>
             </a:fld>
             <a:endParaRPr lang="fr-BE"/>
           </a:p>
@@ -6730,7 +6730,7 @@
         </p:blipFill>
         <p:spPr bwMode="auto">
           <a:xfrm>
-            <a:off x="4900328" y="3141592"/>
+            <a:off x="4283752" y="3236968"/>
             <a:ext cx="1420824" cy="1222149"/>
           </a:xfrm>
           <a:prstGeom prst="rect">

--- a/98_Sujets_Divers/TPs_Dynamique/TP_02_Drone_Cinetique/TP_Cinetique_D2C_Synthese.pptx
+++ b/98_Sujets_Divers/TPs_Dynamique/TP_02_Drone_Cinetique/TP_Cinetique_D2C_Synthese.pptx
@@ -11,7 +11,7 @@
     <p:sldId id="259" r:id="rId5"/>
   </p:sldIdLst>
   <p:sldSz cx="9906000" cy="6858000" type="A4"/>
-  <p:notesSz cx="9926638" cy="14355763"/>
+  <p:notesSz cx="9929813" cy="14357350"/>
   <p:defaultTextStyle>
     <a:defPPr>
       <a:defRPr lang="fr-FR"/>
@@ -307,7 +307,7 @@
           <a:p>
             <a:fld id="{AA309A6D-C09C-4548-B29A-6CF363A7E532}" type="datetimeFigureOut">
               <a:rPr lang="fr-FR" smtClean="0"/>
-              <a:t>04/12/2023</a:t>
+              <a:t>17/11/2025</a:t>
             </a:fld>
             <a:endParaRPr lang="fr-BE"/>
           </a:p>
@@ -472,7 +472,7 @@
           <a:p>
             <a:fld id="{AA309A6D-C09C-4548-B29A-6CF363A7E532}" type="datetimeFigureOut">
               <a:rPr lang="fr-FR" smtClean="0"/>
-              <a:t>04/12/2023</a:t>
+              <a:t>17/11/2025</a:t>
             </a:fld>
             <a:endParaRPr lang="fr-BE"/>
           </a:p>
@@ -647,7 +647,7 @@
           <a:p>
             <a:fld id="{AA309A6D-C09C-4548-B29A-6CF363A7E532}" type="datetimeFigureOut">
               <a:rPr lang="fr-FR" smtClean="0"/>
-              <a:t>04/12/2023</a:t>
+              <a:t>17/11/2025</a:t>
             </a:fld>
             <a:endParaRPr lang="fr-BE"/>
           </a:p>
@@ -812,7 +812,7 @@
           <a:p>
             <a:fld id="{AA309A6D-C09C-4548-B29A-6CF363A7E532}" type="datetimeFigureOut">
               <a:rPr lang="fr-FR" smtClean="0"/>
-              <a:t>04/12/2023</a:t>
+              <a:t>17/11/2025</a:t>
             </a:fld>
             <a:endParaRPr lang="fr-BE"/>
           </a:p>
@@ -1053,7 +1053,7 @@
           <a:p>
             <a:fld id="{AA309A6D-C09C-4548-B29A-6CF363A7E532}" type="datetimeFigureOut">
               <a:rPr lang="fr-FR" smtClean="0"/>
-              <a:t>04/12/2023</a:t>
+              <a:t>17/11/2025</a:t>
             </a:fld>
             <a:endParaRPr lang="fr-BE"/>
           </a:p>
@@ -1336,7 +1336,7 @@
           <a:p>
             <a:fld id="{AA309A6D-C09C-4548-B29A-6CF363A7E532}" type="datetimeFigureOut">
               <a:rPr lang="fr-FR" smtClean="0"/>
-              <a:t>04/12/2023</a:t>
+              <a:t>17/11/2025</a:t>
             </a:fld>
             <a:endParaRPr lang="fr-BE"/>
           </a:p>
@@ -1753,7 +1753,7 @@
           <a:p>
             <a:fld id="{AA309A6D-C09C-4548-B29A-6CF363A7E532}" type="datetimeFigureOut">
               <a:rPr lang="fr-FR" smtClean="0"/>
-              <a:t>04/12/2023</a:t>
+              <a:t>17/11/2025</a:t>
             </a:fld>
             <a:endParaRPr lang="fr-BE"/>
           </a:p>
@@ -1866,7 +1866,7 @@
           <a:p>
             <a:fld id="{AA309A6D-C09C-4548-B29A-6CF363A7E532}" type="datetimeFigureOut">
               <a:rPr lang="fr-FR" smtClean="0"/>
-              <a:t>04/12/2023</a:t>
+              <a:t>17/11/2025</a:t>
             </a:fld>
             <a:endParaRPr lang="fr-BE"/>
           </a:p>
@@ -1956,7 +1956,7 @@
           <a:p>
             <a:fld id="{AA309A6D-C09C-4548-B29A-6CF363A7E532}" type="datetimeFigureOut">
               <a:rPr lang="fr-FR" smtClean="0"/>
-              <a:t>04/12/2023</a:t>
+              <a:t>17/11/2025</a:t>
             </a:fld>
             <a:endParaRPr lang="fr-BE"/>
           </a:p>
@@ -2228,7 +2228,7 @@
           <a:p>
             <a:fld id="{AA309A6D-C09C-4548-B29A-6CF363A7E532}" type="datetimeFigureOut">
               <a:rPr lang="fr-FR" smtClean="0"/>
-              <a:t>04/12/2023</a:t>
+              <a:t>17/11/2025</a:t>
             </a:fld>
             <a:endParaRPr lang="fr-BE"/>
           </a:p>
@@ -2476,7 +2476,7 @@
           <a:p>
             <a:fld id="{AA309A6D-C09C-4548-B29A-6CF363A7E532}" type="datetimeFigureOut">
               <a:rPr lang="fr-FR" smtClean="0"/>
-              <a:t>04/12/2023</a:t>
+              <a:t>17/11/2025</a:t>
             </a:fld>
             <a:endParaRPr lang="fr-BE"/>
           </a:p>
@@ -2684,7 +2684,7 @@
           <a:p>
             <a:fld id="{AA309A6D-C09C-4548-B29A-6CF363A7E532}" type="datetimeFigureOut">
               <a:rPr lang="fr-FR" smtClean="0"/>
-              <a:t>04/12/2023</a:t>
+              <a:t>17/11/2025</a:t>
             </a:fld>
             <a:endParaRPr lang="fr-BE"/>
           </a:p>
@@ -3155,17 +3155,8 @@
               <a:rPr lang="fr-FR" sz="1050" b="1" dirty="0">
                 <a:latin typeface="Tw Cen MT" pitchFamily="34" charset="0"/>
               </a:rPr>
-              <a:t>Cycle 4 - </a:t>
-            </a:r>
-            <a:r>
-              <a:rPr lang="fr-FR" sz="1050" b="1" cap="small" dirty="0">
-                <a:latin typeface="Tw Cen MT" pitchFamily="34" charset="0"/>
-              </a:rPr>
-              <a:t>Modéliser le comportement des systèmes mécaniques dans le but d'établir une loi de comportement ou de déterminer des actions mécaniques en utilisant le PFD</a:t>
-            </a:r>
-            <a:endParaRPr lang="fr-FR" sz="1050" b="1" dirty="0">
-              <a:latin typeface="Tw Cen MT" pitchFamily="34" charset="0"/>
-            </a:endParaRPr>
+              <a:t>DETERMINER LE MOMENT D’INERTIE D’UN SOLIDE</a:t>
+            </a:r>
           </a:p>
         </p:txBody>
       </p:sp>
@@ -3475,7 +3466,7 @@
         </p:nvSpPr>
         <p:spPr>
           <a:xfrm>
-            <a:off x="3944888" y="2216480"/>
+            <a:off x="3944888" y="2204864"/>
             <a:ext cx="2880320" cy="246221"/>
           </a:xfrm>
           <a:prstGeom prst="rect">
